--- a/09 seminário NID/PPT Seminário NID Yduqs Wyden UniRuy 2023_2_Leo.pptx
+++ b/09 seminário NID/PPT Seminário NID Yduqs Wyden UniRuy 2023_2_Leo.pptx
@@ -3949,7 +3949,7 @@
           </a:ln>
           <a:extLst>
             <a:ext uri="{C572A759-6A51-4108-AA02-DFA0A04FC94B}">
-              <ma14:wrappingTextBoxFlag xmlns:ma14="http://schemas.microsoft.com/office/mac/drawingml/2011/main" xmlns="" val="1"/>
+              <ma14:wrappingTextBoxFlag xmlns="" xmlns:ma14="http://schemas.microsoft.com/office/mac/drawingml/2011/main" val="1"/>
             </a:ext>
           </a:extLst>
         </p:spPr>
@@ -3997,7 +3997,7 @@
           </a:ln>
           <a:extLst>
             <a:ext uri="{C572A759-6A51-4108-AA02-DFA0A04FC94B}">
-              <ma14:wrappingTextBoxFlag xmlns:ma14="http://schemas.microsoft.com/office/mac/drawingml/2011/main" xmlns="" val="1"/>
+              <ma14:wrappingTextBoxFlag xmlns="" xmlns:ma14="http://schemas.microsoft.com/office/mac/drawingml/2011/main" val="1"/>
             </a:ext>
           </a:extLst>
         </p:spPr>
@@ -4958,13 +4958,13 @@
           </a:ln>
           <a:extLst>
             <a:ext uri="{C572A759-6A51-4108-AA02-DFA0A04FC94B}">
-              <ma14:wrappingTextBoxFlag xmlns:ma14="http://schemas.microsoft.com/office/mac/drawingml/2011/main" xmlns="" val="1"/>
+              <ma14:wrappingTextBoxFlag xmlns="" xmlns:ma14="http://schemas.microsoft.com/office/mac/drawingml/2011/main" val="1"/>
             </a:ext>
           </a:extLst>
         </p:spPr>
         <p:txBody>
           <a:bodyPr lIns="45719" rIns="45719" anchor="ctr">
-            <a:normAutofit fontScale="47500" lnSpcReduction="20000"/>
+            <a:normAutofit fontScale="40000" lnSpcReduction="20000"/>
           </a:bodyPr>
           <a:lstStyle>
             <a:lvl1pPr marL="0" marR="0" indent="0" algn="ctr" defTabSz="457200" rtl="0" latinLnBrk="0">
@@ -5238,7 +5238,7 @@
               </a:defRPr>
             </a:pPr>
             <a:r>
-              <a:rPr lang="pt-BR" sz="4000" b="1">
+              <a:rPr lang="pt-BR" sz="4000" b="1" dirty="0">
                 <a:solidFill>
                   <a:schemeClr val="bg1"/>
                 </a:solidFill>
@@ -5246,7 +5246,7 @@
               <a:t>1º Seminário </a:t>
             </a:r>
             <a:r>
-              <a:rPr lang="pt-BR" sz="4000" b="1" err="1">
+              <a:rPr lang="pt-BR" sz="4000" b="1" dirty="0" err="1">
                 <a:solidFill>
                   <a:schemeClr val="bg1"/>
                 </a:solidFill>
@@ -5254,7 +5254,7 @@
               <a:t>Yduqs</a:t>
             </a:r>
             <a:r>
-              <a:rPr lang="pt-BR" sz="4000" b="1">
+              <a:rPr lang="pt-BR" sz="4000" b="1" dirty="0">
                 <a:solidFill>
                   <a:schemeClr val="bg1"/>
                 </a:solidFill>
@@ -5262,7 +5262,7 @@
               <a:t> </a:t>
             </a:r>
             <a:r>
-              <a:rPr lang="pt-BR" sz="4000" b="1" err="1">
+              <a:rPr lang="pt-BR" sz="4000" b="1" dirty="0" err="1">
                 <a:solidFill>
                   <a:schemeClr val="bg1"/>
                 </a:solidFill>
@@ -5270,7 +5270,7 @@
               <a:t>Wyden</a:t>
             </a:r>
             <a:r>
-              <a:rPr lang="pt-BR" sz="4000" b="1">
+              <a:rPr lang="pt-BR" sz="4000" b="1" dirty="0">
                 <a:solidFill>
                   <a:schemeClr val="bg1"/>
                 </a:solidFill>
@@ -5287,12 +5287,28 @@
               </a:defRPr>
             </a:pPr>
             <a:r>
+              <a:rPr lang="pt-BR" sz="4000" b="1" dirty="0">
+                <a:solidFill>
+                  <a:schemeClr val="bg1"/>
+                </a:solidFill>
+              </a:rPr>
+              <a:t>Formação </a:t>
+            </a:r>
+            <a:r>
               <a:rPr lang="pt-BR" sz="4000" b="1">
                 <a:solidFill>
                   <a:schemeClr val="bg1"/>
                 </a:solidFill>
               </a:rPr>
-              <a:t>Formação Continuada em Tecnologias Digitais (Tópicos em Informática)</a:t>
+              <a:t>Continuada no Uso de </a:t>
+            </a:r>
+            <a:r>
+              <a:rPr lang="pt-BR" sz="4000" b="1" dirty="0">
+                <a:solidFill>
+                  <a:schemeClr val="bg1"/>
+                </a:solidFill>
+              </a:rPr>
+              <a:t>Tecnologias Digitais (Tópicos em Informática)</a:t>
             </a:r>
           </a:p>
         </p:txBody>
@@ -5324,7 +5340,7 @@
           </a:ln>
           <a:extLst>
             <a:ext uri="{C572A759-6A51-4108-AA02-DFA0A04FC94B}">
-              <ma14:wrappingTextBoxFlag xmlns:ma14="http://schemas.microsoft.com/office/mac/drawingml/2011/main" xmlns="" val="1"/>
+              <ma14:wrappingTextBoxFlag xmlns="" xmlns:ma14="http://schemas.microsoft.com/office/mac/drawingml/2011/main" val="1"/>
             </a:ext>
           </a:extLst>
         </p:spPr>
@@ -5677,7 +5693,7 @@
           </a:ln>
           <a:extLst>
             <a:ext uri="{C572A759-6A51-4108-AA02-DFA0A04FC94B}">
-              <ma14:wrappingTextBoxFlag xmlns:ma14="http://schemas.microsoft.com/office/mac/drawingml/2011/main" xmlns="" val="1"/>
+              <ma14:wrappingTextBoxFlag xmlns="" xmlns:ma14="http://schemas.microsoft.com/office/mac/drawingml/2011/main" val="1"/>
             </a:ext>
           </a:extLst>
         </p:spPr>
@@ -6056,7 +6072,7 @@
           </a:ln>
           <a:extLst>
             <a:ext uri="{C572A759-6A51-4108-AA02-DFA0A04FC94B}">
-              <ma14:wrappingTextBoxFlag xmlns:ma14="http://schemas.microsoft.com/office/mac/drawingml/2011/main" xmlns="" val="1"/>
+              <ma14:wrappingTextBoxFlag xmlns="" xmlns:ma14="http://schemas.microsoft.com/office/mac/drawingml/2011/main" val="1"/>
             </a:ext>
           </a:extLst>
         </p:spPr>
@@ -10679,9 +10695,12 @@
 </file>
 
 <file path=customXml/item1.xml><?xml version="1.0" encoding="utf-8"?>
-<p:properties xmlns:p="http://schemas.microsoft.com/office/2006/metadata/properties" xmlns:xsi="http://www.w3.org/2001/XMLSchema-instance" xmlns:pc="http://schemas.microsoft.com/office/infopath/2007/PartnerControls">
-  <documentManagement/>
-</p:properties>
+<?mso-contentType ?>
+<FormTemplates xmlns="http://schemas.microsoft.com/sharepoint/v3/contenttype/forms">
+  <Display>DocumentLibraryForm</Display>
+  <Edit>DocumentLibraryForm</Edit>
+  <New>DocumentLibraryForm</New>
+</FormTemplates>
 </file>
 
 <file path=customXml/item2.xml><?xml version="1.0" encoding="utf-8"?>
@@ -10908,19 +10927,15 @@
 </file>
 
 <file path=customXml/item3.xml><?xml version="1.0" encoding="utf-8"?>
-<?mso-contentType ?>
-<FormTemplates xmlns="http://schemas.microsoft.com/sharepoint/v3/contenttype/forms">
-  <Display>DocumentLibraryForm</Display>
-  <Edit>DocumentLibraryForm</Edit>
-  <New>DocumentLibraryForm</New>
-</FormTemplates>
+<p:properties xmlns:p="http://schemas.microsoft.com/office/2006/metadata/properties" xmlns:xsi="http://www.w3.org/2001/XMLSchema-instance" xmlns:pc="http://schemas.microsoft.com/office/infopath/2007/PartnerControls">
+  <documentManagement/>
+</p:properties>
 </file>
 
 <file path=customXml/itemProps1.xml><?xml version="1.0" encoding="utf-8"?>
-<ds:datastoreItem xmlns:ds="http://schemas.openxmlformats.org/officeDocument/2006/customXml" ds:itemID="{961A30F4-F1EA-4F98-A164-76D337EE5565}">
+<ds:datastoreItem xmlns:ds="http://schemas.openxmlformats.org/officeDocument/2006/customXml" ds:itemID="{AED456AD-07D2-43E3-AD57-2C9049066662}">
   <ds:schemaRefs>
-    <ds:schemaRef ds:uri="http://schemas.microsoft.com/office/2006/metadata/properties"/>
-    <ds:schemaRef ds:uri="http://schemas.microsoft.com/office/infopath/2007/PartnerControls"/>
+    <ds:schemaRef ds:uri="http://schemas.microsoft.com/sharepoint/v3/contenttype/forms"/>
   </ds:schemaRefs>
 </ds:datastoreItem>
 </file>
@@ -10945,9 +10960,10 @@
 </file>
 
 <file path=customXml/itemProps3.xml><?xml version="1.0" encoding="utf-8"?>
-<ds:datastoreItem xmlns:ds="http://schemas.openxmlformats.org/officeDocument/2006/customXml" ds:itemID="{AED456AD-07D2-43E3-AD57-2C9049066662}">
+<ds:datastoreItem xmlns:ds="http://schemas.openxmlformats.org/officeDocument/2006/customXml" ds:itemID="{961A30F4-F1EA-4F98-A164-76D337EE5565}">
   <ds:schemaRefs>
-    <ds:schemaRef ds:uri="http://schemas.microsoft.com/sharepoint/v3/contenttype/forms"/>
+    <ds:schemaRef ds:uri="http://schemas.microsoft.com/office/2006/metadata/properties"/>
+    <ds:schemaRef ds:uri="http://schemas.microsoft.com/office/infopath/2007/PartnerControls"/>
   </ds:schemaRefs>
 </ds:datastoreItem>
 </file>